--- a/img/pin_map.pptx
+++ b/img/pin_map.pptx
@@ -6018,6 +6018,149 @@
                 </a:solidFill>
               </a:rPr>
               <a:t>Defaut Address</a:t>
+            </a:r>
+          </a:p>
+        </p:txBody>
+      </p:sp>
+      <p:sp>
+        <p:nvSpPr>
+          <p:cNvPr id="17" name="文本框 16">
+            <a:extLst>
+              <a:ext uri="{FF2B5EF4-FFF2-40B4-BE49-F238E27FC236}">
+                <a16:creationId xmlns:a16="http://schemas.microsoft.com/office/drawing/2014/main" id="{5F8787F8-6670-4A56-839C-6150AE69C26E}"/>
+              </a:ext>
+            </a:extLst>
+          </p:cNvPr>
+          <p:cNvSpPr txBox="1"/>
+          <p:nvPr/>
+        </p:nvSpPr>
+        <p:spPr>
+          <a:xfrm>
+            <a:off x="7478954" y="539139"/>
+            <a:ext cx="1832296" cy="369332"/>
+          </a:xfrm>
+          <a:prstGeom prst="rect">
+            <a:avLst/>
+          </a:prstGeom>
+          <a:noFill/>
+        </p:spPr>
+        <p:txBody>
+          <a:bodyPr wrap="none" rtlCol="0">
+            <a:spAutoFit/>
+          </a:bodyPr>
+          <a:lstStyle/>
+          <a:p>
+            <a:r>
+              <a:rPr lang="en-US" b="1">
+                <a:solidFill>
+                  <a:schemeClr val="bg1">
+                    <a:lumMod val="65000"/>
+                  </a:schemeClr>
+                </a:solidFill>
+              </a:rPr>
+              <a:t>O</a:t>
+            </a:r>
+            <a:r>
+              <a:rPr lang="en-US" altLang="zh-CN" b="1">
+                <a:solidFill>
+                  <a:schemeClr val="bg1">
+                    <a:lumMod val="65000"/>
+                  </a:schemeClr>
+                </a:solidFill>
+              </a:rPr>
+              <a:t>ptional</a:t>
+            </a:r>
+            <a:r>
+              <a:rPr lang="en-US" b="1">
+                <a:solidFill>
+                  <a:schemeClr val="bg1">
+                    <a:lumMod val="65000"/>
+                  </a:schemeClr>
+                </a:solidFill>
+              </a:rPr>
+              <a:t> Address</a:t>
+            </a:r>
+          </a:p>
+        </p:txBody>
+      </p:sp>
+      <p:sp>
+        <p:nvSpPr>
+          <p:cNvPr id="18" name="文本框 17">
+            <a:extLst>
+              <a:ext uri="{FF2B5EF4-FFF2-40B4-BE49-F238E27FC236}">
+                <a16:creationId xmlns:a16="http://schemas.microsoft.com/office/drawing/2014/main" id="{BDC4BB20-E182-4723-934A-9A50346E0BA3}"/>
+              </a:ext>
+            </a:extLst>
+          </p:cNvPr>
+          <p:cNvSpPr txBox="1"/>
+          <p:nvPr/>
+        </p:nvSpPr>
+        <p:spPr>
+          <a:xfrm>
+            <a:off x="6859475" y="1175869"/>
+            <a:ext cx="641522" cy="369332"/>
+          </a:xfrm>
+          <a:prstGeom prst="rect">
+            <a:avLst/>
+          </a:prstGeom>
+          <a:noFill/>
+        </p:spPr>
+        <p:txBody>
+          <a:bodyPr wrap="none" rtlCol="0">
+            <a:spAutoFit/>
+          </a:bodyPr>
+          <a:lstStyle/>
+          <a:p>
+            <a:r>
+              <a:rPr lang="en-US" b="1">
+                <a:solidFill>
+                  <a:schemeClr val="bg1">
+                    <a:lumMod val="65000"/>
+                  </a:schemeClr>
+                </a:solidFill>
+              </a:rPr>
+              <a:t>0x68</a:t>
+            </a:r>
+          </a:p>
+        </p:txBody>
+      </p:sp>
+      <p:sp>
+        <p:nvSpPr>
+          <p:cNvPr id="19" name="文本框 18">
+            <a:extLst>
+              <a:ext uri="{FF2B5EF4-FFF2-40B4-BE49-F238E27FC236}">
+                <a16:creationId xmlns:a16="http://schemas.microsoft.com/office/drawing/2014/main" id="{4F0C502C-6816-44C9-B30E-419FB55CB81C}"/>
+              </a:ext>
+            </a:extLst>
+          </p:cNvPr>
+          <p:cNvSpPr txBox="1"/>
+          <p:nvPr/>
+        </p:nvSpPr>
+        <p:spPr>
+          <a:xfrm>
+            <a:off x="6859475" y="554758"/>
+            <a:ext cx="641522" cy="369332"/>
+          </a:xfrm>
+          <a:prstGeom prst="rect">
+            <a:avLst/>
+          </a:prstGeom>
+          <a:noFill/>
+        </p:spPr>
+        <p:txBody>
+          <a:bodyPr wrap="none" rtlCol="0">
+            <a:spAutoFit/>
+          </a:bodyPr>
+          <a:lstStyle/>
+          <a:p>
+            <a:r>
+              <a:rPr lang="en-US" b="1">
+                <a:solidFill>
+                  <a:schemeClr val="bg1">
+                    <a:lumMod val="65000"/>
+                  </a:schemeClr>
+                </a:solidFill>
+              </a:rPr>
+              <a:t>0x69</a:t>
             </a:r>
           </a:p>
         </p:txBody>

--- a/img/pin_map.pptx
+++ b/img/pin_map.pptx
@@ -118,7 +118,7 @@
 
 <file path=ppt/commentAuthors.xml><?xml version="1.0" encoding="utf-8"?>
 <p:cmAuthorLst xmlns:a="http://schemas.openxmlformats.org/drawingml/2006/main" xmlns:r="http://schemas.openxmlformats.org/officeDocument/2006/relationships" xmlns:p="http://schemas.openxmlformats.org/presentationml/2006/main">
-  <p:cmAuthor id="1" name="Jelly fish" initials="Jf" lastIdx="1" clrIdx="0">
+  <p:cmAuthor id="1" name="Jelly fish" initials="Jf" lastIdx="2" clrIdx="0">
     <p:extLst>
       <p:ext uri="{19B8F6BF-5375-455C-9EA6-DF929625EA0E}">
         <p15:presenceInfo xmlns:p15="http://schemas.microsoft.com/office/powerpoint/2012/main" userId="6812cae3f8bd4b90" providerId="Windows Live"/>
@@ -126,6 +126,20 @@
     </p:extLst>
   </p:cmAuthor>
 </p:cmAuthorLst>
+</file>
+
+<file path=ppt/comments/comment1.xml><?xml version="1.0" encoding="utf-8"?>
+<p:cmLst xmlns:a="http://schemas.openxmlformats.org/drawingml/2006/main" xmlns:r="http://schemas.openxmlformats.org/officeDocument/2006/relationships" xmlns:p="http://schemas.openxmlformats.org/presentationml/2006/main">
+  <p:cm authorId="1" dt="2018-10-16T16:19:06.948" idx="2">
+    <p:pos x="10" y="10"/>
+    <p:text/>
+    <p:extLst>
+      <p:ext uri="{C676402C-5697-4E1C-873F-D02D1690AC5C}">
+        <p15:threadingInfo xmlns:p15="http://schemas.microsoft.com/office/powerpoint/2012/main" timeZoneBias="-480"/>
+      </p:ext>
+    </p:extLst>
+  </p:cm>
+</p:cmLst>
 </file>
 
 <file path=ppt/notesMasters/notesMaster1.xml><?xml version="1.0" encoding="utf-8"?>
@@ -5248,7 +5262,7 @@
                 <a:ea typeface="Microsoft JhengHei Light" panose="020B0304030504040204" pitchFamily="34" charset="-120"/>
                 <a:cs typeface="Leelawadee UI" panose="020B0502040204020203" pitchFamily="34" charset="-34"/>
               </a:rPr>
-              <a:t>GND: the AMG8833 </a:t>
+              <a:t>the AMG8833 </a:t>
             </a:r>
             <a:r>
               <a:rPr lang="en-US" altLang="zh-CN" sz="1600">
@@ -5314,10 +5328,10 @@
       </p:grpSpPr>
       <p:pic>
         <p:nvPicPr>
-          <p:cNvPr id="5" name="图片 4">
-            <a:extLst>
-              <a:ext uri="{FF2B5EF4-FFF2-40B4-BE49-F238E27FC236}">
-                <a16:creationId xmlns:a16="http://schemas.microsoft.com/office/drawing/2014/main" id="{A1C48BD9-F829-4CB0-8A99-8F476948B86D}"/>
+          <p:cNvPr id="4" name="图片 3">
+            <a:extLst>
+              <a:ext uri="{FF2B5EF4-FFF2-40B4-BE49-F238E27FC236}">
+                <a16:creationId xmlns:a16="http://schemas.microsoft.com/office/drawing/2014/main" id="{BF5927B6-8BEE-498F-9535-524FC14818EA}"/>
               </a:ext>
             </a:extLst>
           </p:cNvPr>
@@ -5340,8 +5354,8 @@
         </p:blipFill>
         <p:spPr>
           <a:xfrm>
-            <a:off x="2810256" y="631641"/>
-            <a:ext cx="6571488" cy="4928616"/>
+            <a:off x="2891301" y="939709"/>
+            <a:ext cx="6094265" cy="4570699"/>
           </a:xfrm>
           <a:prstGeom prst="rect">
             <a:avLst/>
@@ -5362,12 +5376,15 @@
         </p:nvSpPr>
         <p:spPr>
           <a:xfrm rot="5400000">
-            <a:off x="6384126" y="1235845"/>
+            <a:off x="6361266" y="1235845"/>
             <a:ext cx="388192" cy="249381"/>
           </a:xfrm>
           <a:prstGeom prst="rect">
             <a:avLst/>
           </a:prstGeom>
+          <a:solidFill>
+            <a:srgbClr val="C00000"/>
+          </a:solidFill>
           <a:ln>
             <a:noFill/>
           </a:ln>
@@ -5414,7 +5431,7 @@
         </p:nvSpPr>
         <p:spPr>
           <a:xfrm rot="5400000">
-            <a:off x="6028302" y="1235845"/>
+            <a:off x="6005442" y="1235845"/>
             <a:ext cx="388192" cy="249381"/>
           </a:xfrm>
           <a:prstGeom prst="rect">
@@ -5454,10 +5471,10 @@
       </p:sp>
       <p:sp>
         <p:nvSpPr>
-          <p:cNvPr id="56" name="矩形 55">
-            <a:extLst>
-              <a:ext uri="{FF2B5EF4-FFF2-40B4-BE49-F238E27FC236}">
-                <a16:creationId xmlns:a16="http://schemas.microsoft.com/office/drawing/2014/main" id="{067AF944-323F-4A7F-9BFB-E2B86D0C0823}"/>
+          <p:cNvPr id="57" name="矩形 56">
+            <a:extLst>
+              <a:ext uri="{FF2B5EF4-FFF2-40B4-BE49-F238E27FC236}">
+                <a16:creationId xmlns:a16="http://schemas.microsoft.com/office/drawing/2014/main" id="{A7B641A9-CEF3-4B06-BC4F-4363EDD2826A}"/>
               </a:ext>
             </a:extLst>
           </p:cNvPr>
@@ -5466,8 +5483,8 @@
         </p:nvSpPr>
         <p:spPr>
           <a:xfrm rot="5400000">
-            <a:off x="5672478" y="1235845"/>
-            <a:ext cx="388192" cy="249381"/>
+            <a:off x="5925081" y="1146037"/>
+            <a:ext cx="219305" cy="447082"/>
           </a:xfrm>
           <a:prstGeom prst="rect">
             <a:avLst/>
@@ -5504,58 +5521,6 @@
           </a:p>
         </p:txBody>
       </p:sp>
-      <p:sp>
-        <p:nvSpPr>
-          <p:cNvPr id="57" name="矩形 56">
-            <a:extLst>
-              <a:ext uri="{FF2B5EF4-FFF2-40B4-BE49-F238E27FC236}">
-                <a16:creationId xmlns:a16="http://schemas.microsoft.com/office/drawing/2014/main" id="{A7B641A9-CEF3-4B06-BC4F-4363EDD2826A}"/>
-              </a:ext>
-            </a:extLst>
-          </p:cNvPr>
-          <p:cNvSpPr/>
-          <p:nvPr/>
-        </p:nvSpPr>
-        <p:spPr>
-          <a:xfrm rot="5400000">
-            <a:off x="5947941" y="1146037"/>
-            <a:ext cx="219305" cy="447082"/>
-          </a:xfrm>
-          <a:prstGeom prst="rect">
-            <a:avLst/>
-          </a:prstGeom>
-          <a:ln>
-            <a:noFill/>
-          </a:ln>
-        </p:spPr>
-        <p:style>
-          <a:lnRef idx="2">
-            <a:schemeClr val="accent3">
-              <a:shade val="50000"/>
-            </a:schemeClr>
-          </a:lnRef>
-          <a:fillRef idx="1">
-            <a:schemeClr val="accent3"/>
-          </a:fillRef>
-          <a:effectRef idx="0">
-            <a:schemeClr val="accent3"/>
-          </a:effectRef>
-          <a:fontRef idx="minor">
-            <a:schemeClr val="lt1"/>
-          </a:fontRef>
-        </p:style>
-        <p:txBody>
-          <a:bodyPr rtlCol="0" anchor="ctr"/>
-          <a:lstStyle/>
-          <a:p>
-            <a:pPr algn="ctr"/>
-            <a:endParaRPr lang="en-US">
-              <a:cs typeface="+mn-ea"/>
-              <a:sym typeface="+mn-lt"/>
-            </a:endParaRPr>
-          </a:p>
-        </p:txBody>
-      </p:sp>
       <p:cxnSp>
         <p:nvCxnSpPr>
           <p:cNvPr id="65" name="直接连接符 64">
@@ -5572,8 +5537,8 @@
         </p:nvCxnSpPr>
         <p:spPr>
           <a:xfrm flipH="1" flipV="1">
-            <a:off x="5750101" y="1554632"/>
-            <a:ext cx="157853" cy="348652"/>
+            <a:off x="5719023" y="1554632"/>
+            <a:ext cx="188932" cy="348652"/>
           </a:xfrm>
           <a:prstGeom prst="line">
             <a:avLst/>
@@ -5619,7 +5584,7 @@
         <p:spPr>
           <a:xfrm flipV="1">
             <a:off x="6520407" y="1554632"/>
-            <a:ext cx="173316" cy="348652"/>
+            <a:ext cx="159646" cy="348653"/>
           </a:xfrm>
           <a:prstGeom prst="line">
             <a:avLst/>
@@ -5648,235 +5613,165 @@
           </a:fontRef>
         </p:style>
       </p:cxnSp>
-      <p:grpSp>
-        <p:nvGrpSpPr>
-          <p:cNvPr id="70" name="组合 69">
-            <a:extLst>
-              <a:ext uri="{FF2B5EF4-FFF2-40B4-BE49-F238E27FC236}">
-                <a16:creationId xmlns:a16="http://schemas.microsoft.com/office/drawing/2014/main" id="{E7914CE8-A6A6-418F-B072-C469FC4615A5}"/>
-              </a:ext>
-            </a:extLst>
-          </p:cNvPr>
-          <p:cNvGrpSpPr/>
+      <p:sp>
+        <p:nvSpPr>
+          <p:cNvPr id="71" name="矩形 70">
+            <a:extLst>
+              <a:ext uri="{FF2B5EF4-FFF2-40B4-BE49-F238E27FC236}">
+                <a16:creationId xmlns:a16="http://schemas.microsoft.com/office/drawing/2014/main" id="{D5FF4066-72D1-4236-87DC-69BE7E11D20F}"/>
+              </a:ext>
+            </a:extLst>
+          </p:cNvPr>
+          <p:cNvSpPr/>
           <p:nvPr/>
-        </p:nvGrpSpPr>
-        <p:grpSpPr>
-          <a:xfrm rot="10800000">
-            <a:off x="5742375" y="649312"/>
-            <a:ext cx="961029" cy="388192"/>
-            <a:chOff x="5782979" y="428503"/>
-            <a:chExt cx="961029" cy="388192"/>
-          </a:xfrm>
-        </p:grpSpPr>
-        <p:sp>
-          <p:nvSpPr>
-            <p:cNvPr id="71" name="矩形 70">
-              <a:extLst>
-                <a:ext uri="{FF2B5EF4-FFF2-40B4-BE49-F238E27FC236}">
-                  <a16:creationId xmlns:a16="http://schemas.microsoft.com/office/drawing/2014/main" id="{D5FF4066-72D1-4236-87DC-69BE7E11D20F}"/>
-                </a:ext>
-              </a:extLst>
-            </p:cNvPr>
-            <p:cNvSpPr/>
-            <p:nvPr/>
-          </p:nvSpPr>
-          <p:spPr>
-            <a:xfrm rot="5400000">
-              <a:off x="6425222" y="497908"/>
-              <a:ext cx="388192" cy="249381"/>
-            </a:xfrm>
-            <a:prstGeom prst="rect">
-              <a:avLst/>
-            </a:prstGeom>
-            <a:ln>
-              <a:noFill/>
-            </a:ln>
-          </p:spPr>
-          <p:style>
-            <a:lnRef idx="2">
-              <a:schemeClr val="accent3">
-                <a:shade val="50000"/>
-              </a:schemeClr>
-            </a:lnRef>
-            <a:fillRef idx="1">
-              <a:schemeClr val="accent3"/>
-            </a:fillRef>
-            <a:effectRef idx="0">
-              <a:schemeClr val="accent3"/>
-            </a:effectRef>
-            <a:fontRef idx="minor">
-              <a:schemeClr val="lt1"/>
-            </a:fontRef>
-          </p:style>
-          <p:txBody>
-            <a:bodyPr rtlCol="0" anchor="ctr"/>
-            <a:lstStyle/>
-            <a:p>
-              <a:pPr algn="ctr"/>
-              <a:endParaRPr lang="en-US">
-                <a:cs typeface="+mn-ea"/>
-                <a:sym typeface="+mn-lt"/>
-              </a:endParaRPr>
-            </a:p>
-          </p:txBody>
-        </p:sp>
-        <p:sp>
-          <p:nvSpPr>
-            <p:cNvPr id="72" name="矩形 71">
-              <a:extLst>
-                <a:ext uri="{FF2B5EF4-FFF2-40B4-BE49-F238E27FC236}">
-                  <a16:creationId xmlns:a16="http://schemas.microsoft.com/office/drawing/2014/main" id="{AE57CD60-761A-425C-90B7-520202D317A4}"/>
-                </a:ext>
-              </a:extLst>
-            </p:cNvPr>
-            <p:cNvSpPr/>
-            <p:nvPr/>
-          </p:nvSpPr>
-          <p:spPr>
-            <a:xfrm rot="5400000">
-              <a:off x="6069398" y="497908"/>
-              <a:ext cx="388192" cy="249381"/>
-            </a:xfrm>
-            <a:prstGeom prst="rect">
-              <a:avLst/>
-            </a:prstGeom>
-            <a:ln>
-              <a:noFill/>
-            </a:ln>
-          </p:spPr>
-          <p:style>
-            <a:lnRef idx="2">
-              <a:schemeClr val="accent3">
-                <a:shade val="50000"/>
-              </a:schemeClr>
-            </a:lnRef>
-            <a:fillRef idx="1">
-              <a:schemeClr val="accent3"/>
-            </a:fillRef>
-            <a:effectRef idx="0">
-              <a:schemeClr val="accent3"/>
-            </a:effectRef>
-            <a:fontRef idx="minor">
-              <a:schemeClr val="lt1"/>
-            </a:fontRef>
-          </p:style>
-          <p:txBody>
-            <a:bodyPr rtlCol="0" anchor="ctr"/>
-            <a:lstStyle/>
-            <a:p>
-              <a:pPr algn="ctr"/>
-              <a:endParaRPr lang="en-US">
-                <a:cs typeface="+mn-ea"/>
-                <a:sym typeface="+mn-lt"/>
-              </a:endParaRPr>
-            </a:p>
-          </p:txBody>
-        </p:sp>
-        <p:sp>
-          <p:nvSpPr>
-            <p:cNvPr id="73" name="矩形 72">
-              <a:extLst>
-                <a:ext uri="{FF2B5EF4-FFF2-40B4-BE49-F238E27FC236}">
-                  <a16:creationId xmlns:a16="http://schemas.microsoft.com/office/drawing/2014/main" id="{0EA2FF81-1131-4E2D-BEB3-4F1A8CCC035C}"/>
-                </a:ext>
-              </a:extLst>
-            </p:cNvPr>
-            <p:cNvSpPr/>
-            <p:nvPr/>
-          </p:nvSpPr>
-          <p:spPr>
-            <a:xfrm rot="5400000">
-              <a:off x="5713574" y="497908"/>
-              <a:ext cx="388192" cy="249381"/>
-            </a:xfrm>
-            <a:prstGeom prst="rect">
-              <a:avLst/>
-            </a:prstGeom>
-            <a:ln>
-              <a:noFill/>
-            </a:ln>
-          </p:spPr>
-          <p:style>
-            <a:lnRef idx="2">
-              <a:schemeClr val="accent3">
-                <a:shade val="50000"/>
-              </a:schemeClr>
-            </a:lnRef>
-            <a:fillRef idx="1">
-              <a:schemeClr val="accent3"/>
-            </a:fillRef>
-            <a:effectRef idx="0">
-              <a:schemeClr val="accent3"/>
-            </a:effectRef>
-            <a:fontRef idx="minor">
-              <a:schemeClr val="lt1"/>
-            </a:fontRef>
-          </p:style>
-          <p:txBody>
-            <a:bodyPr rtlCol="0" anchor="ctr"/>
-            <a:lstStyle/>
-            <a:p>
-              <a:pPr algn="ctr"/>
-              <a:endParaRPr lang="en-US">
-                <a:cs typeface="+mn-ea"/>
-                <a:sym typeface="+mn-lt"/>
-              </a:endParaRPr>
-            </a:p>
-          </p:txBody>
-        </p:sp>
-        <p:sp>
-          <p:nvSpPr>
-            <p:cNvPr id="74" name="矩形 73">
-              <a:extLst>
-                <a:ext uri="{FF2B5EF4-FFF2-40B4-BE49-F238E27FC236}">
-                  <a16:creationId xmlns:a16="http://schemas.microsoft.com/office/drawing/2014/main" id="{BCF3C911-A687-40E4-B4EE-430CF6B2FE67}"/>
-                </a:ext>
-              </a:extLst>
-            </p:cNvPr>
-            <p:cNvSpPr/>
-            <p:nvPr/>
-          </p:nvSpPr>
-          <p:spPr>
-            <a:xfrm rot="5400000">
-              <a:off x="5989037" y="408100"/>
-              <a:ext cx="219305" cy="447082"/>
-            </a:xfrm>
-            <a:prstGeom prst="rect">
-              <a:avLst/>
-            </a:prstGeom>
-            <a:ln>
-              <a:noFill/>
-            </a:ln>
-          </p:spPr>
-          <p:style>
-            <a:lnRef idx="2">
-              <a:schemeClr val="accent3">
-                <a:shade val="50000"/>
-              </a:schemeClr>
-            </a:lnRef>
-            <a:fillRef idx="1">
-              <a:schemeClr val="accent3"/>
-            </a:fillRef>
-            <a:effectRef idx="0">
-              <a:schemeClr val="accent3"/>
-            </a:effectRef>
-            <a:fontRef idx="minor">
-              <a:schemeClr val="lt1"/>
-            </a:fontRef>
-          </p:style>
-          <p:txBody>
-            <a:bodyPr rtlCol="0" anchor="ctr"/>
-            <a:lstStyle/>
-            <a:p>
-              <a:pPr algn="ctr"/>
-              <a:endParaRPr lang="en-US">
-                <a:cs typeface="+mn-ea"/>
-                <a:sym typeface="+mn-lt"/>
-              </a:endParaRPr>
-            </a:p>
-          </p:txBody>
-        </p:sp>
-      </p:grpSp>
+        </p:nvSpPr>
+        <p:spPr>
+          <a:xfrm rot="16200000">
+            <a:off x="5650109" y="718718"/>
+            <a:ext cx="388192" cy="249381"/>
+          </a:xfrm>
+          <a:prstGeom prst="rect">
+            <a:avLst/>
+          </a:prstGeom>
+          <a:solidFill>
+            <a:schemeClr val="tx1"/>
+          </a:solidFill>
+          <a:ln>
+            <a:noFill/>
+          </a:ln>
+        </p:spPr>
+        <p:style>
+          <a:lnRef idx="2">
+            <a:schemeClr val="accent3">
+              <a:shade val="50000"/>
+            </a:schemeClr>
+          </a:lnRef>
+          <a:fillRef idx="1">
+            <a:schemeClr val="accent3"/>
+          </a:fillRef>
+          <a:effectRef idx="0">
+            <a:schemeClr val="accent3"/>
+          </a:effectRef>
+          <a:fontRef idx="minor">
+            <a:schemeClr val="lt1"/>
+          </a:fontRef>
+        </p:style>
+        <p:txBody>
+          <a:bodyPr rtlCol="0" anchor="ctr"/>
+          <a:lstStyle/>
+          <a:p>
+            <a:pPr algn="ctr"/>
+            <a:endParaRPr lang="en-US">
+              <a:cs typeface="+mn-ea"/>
+              <a:sym typeface="+mn-lt"/>
+            </a:endParaRPr>
+          </a:p>
+        </p:txBody>
+      </p:sp>
+      <p:sp>
+        <p:nvSpPr>
+          <p:cNvPr id="72" name="矩形 71">
+            <a:extLst>
+              <a:ext uri="{FF2B5EF4-FFF2-40B4-BE49-F238E27FC236}">
+                <a16:creationId xmlns:a16="http://schemas.microsoft.com/office/drawing/2014/main" id="{AE57CD60-761A-425C-90B7-520202D317A4}"/>
+              </a:ext>
+            </a:extLst>
+          </p:cNvPr>
+          <p:cNvSpPr/>
+          <p:nvPr/>
+        </p:nvSpPr>
+        <p:spPr>
+          <a:xfrm rot="16200000">
+            <a:off x="6005933" y="718718"/>
+            <a:ext cx="388192" cy="249381"/>
+          </a:xfrm>
+          <a:prstGeom prst="rect">
+            <a:avLst/>
+          </a:prstGeom>
+          <a:ln>
+            <a:noFill/>
+          </a:ln>
+        </p:spPr>
+        <p:style>
+          <a:lnRef idx="2">
+            <a:schemeClr val="accent3">
+              <a:shade val="50000"/>
+            </a:schemeClr>
+          </a:lnRef>
+          <a:fillRef idx="1">
+            <a:schemeClr val="accent3"/>
+          </a:fillRef>
+          <a:effectRef idx="0">
+            <a:schemeClr val="accent3"/>
+          </a:effectRef>
+          <a:fontRef idx="minor">
+            <a:schemeClr val="lt1"/>
+          </a:fontRef>
+        </p:style>
+        <p:txBody>
+          <a:bodyPr rtlCol="0" anchor="ctr"/>
+          <a:lstStyle/>
+          <a:p>
+            <a:pPr algn="ctr"/>
+            <a:endParaRPr lang="en-US">
+              <a:cs typeface="+mn-ea"/>
+              <a:sym typeface="+mn-lt"/>
+            </a:endParaRPr>
+          </a:p>
+        </p:txBody>
+      </p:sp>
+      <p:sp>
+        <p:nvSpPr>
+          <p:cNvPr id="74" name="矩形 73">
+            <a:extLst>
+              <a:ext uri="{FF2B5EF4-FFF2-40B4-BE49-F238E27FC236}">
+                <a16:creationId xmlns:a16="http://schemas.microsoft.com/office/drawing/2014/main" id="{BCF3C911-A687-40E4-B4EE-430CF6B2FE67}"/>
+              </a:ext>
+            </a:extLst>
+          </p:cNvPr>
+          <p:cNvSpPr/>
+          <p:nvPr/>
+        </p:nvSpPr>
+        <p:spPr>
+          <a:xfrm rot="16200000">
+            <a:off x="6255181" y="610825"/>
+            <a:ext cx="219305" cy="447082"/>
+          </a:xfrm>
+          <a:prstGeom prst="rect">
+            <a:avLst/>
+          </a:prstGeom>
+          <a:ln>
+            <a:noFill/>
+          </a:ln>
+        </p:spPr>
+        <p:style>
+          <a:lnRef idx="2">
+            <a:schemeClr val="accent3">
+              <a:shade val="50000"/>
+            </a:schemeClr>
+          </a:lnRef>
+          <a:fillRef idx="1">
+            <a:schemeClr val="accent3"/>
+          </a:fillRef>
+          <a:effectRef idx="0">
+            <a:schemeClr val="accent3"/>
+          </a:effectRef>
+          <a:fontRef idx="minor">
+            <a:schemeClr val="lt1"/>
+          </a:fontRef>
+        </p:style>
+        <p:txBody>
+          <a:bodyPr rtlCol="0" anchor="ctr"/>
+          <a:lstStyle/>
+          <a:p>
+            <a:pPr algn="ctr"/>
+            <a:endParaRPr lang="en-US">
+              <a:cs typeface="+mn-ea"/>
+              <a:sym typeface="+mn-lt"/>
+            </a:endParaRPr>
+          </a:p>
+        </p:txBody>
+      </p:sp>
       <p:sp>
         <p:nvSpPr>
           <p:cNvPr id="75" name="椭圆 74">
@@ -5893,7 +5788,7 @@
         </p:nvSpPr>
         <p:spPr>
           <a:xfrm>
-            <a:off x="6168556" y="4013146"/>
+            <a:off x="3922675" y="3537692"/>
             <a:ext cx="99675" cy="99675"/>
           </a:xfrm>
           <a:prstGeom prst="ellipse">
@@ -5935,35 +5830,312 @@
           </a:p>
         </p:txBody>
       </p:sp>
+      <p:sp>
+        <p:nvSpPr>
+          <p:cNvPr id="2" name="文本框 1">
+            <a:extLst>
+              <a:ext uri="{FF2B5EF4-FFF2-40B4-BE49-F238E27FC236}">
+                <a16:creationId xmlns:a16="http://schemas.microsoft.com/office/drawing/2014/main" id="{CE94B77D-4ECD-4ECE-954C-AA36A66943F4}"/>
+              </a:ext>
+            </a:extLst>
+          </p:cNvPr>
+          <p:cNvSpPr txBox="1"/>
+          <p:nvPr/>
+        </p:nvSpPr>
+        <p:spPr>
+          <a:xfrm>
+            <a:off x="7456242" y="1185300"/>
+            <a:ext cx="1648272" cy="369332"/>
+          </a:xfrm>
+          <a:prstGeom prst="rect">
+            <a:avLst/>
+          </a:prstGeom>
+          <a:noFill/>
+        </p:spPr>
+        <p:txBody>
+          <a:bodyPr wrap="none" rtlCol="0">
+            <a:spAutoFit/>
+          </a:bodyPr>
+          <a:lstStyle/>
+          <a:p>
+            <a:r>
+              <a:rPr lang="en-US" b="1">
+                <a:solidFill>
+                  <a:schemeClr val="bg1">
+                    <a:lumMod val="65000"/>
+                  </a:schemeClr>
+                </a:solidFill>
+              </a:rPr>
+              <a:t>Defaut Address</a:t>
+            </a:r>
+          </a:p>
+        </p:txBody>
+      </p:sp>
+      <p:sp>
+        <p:nvSpPr>
+          <p:cNvPr id="17" name="文本框 16">
+            <a:extLst>
+              <a:ext uri="{FF2B5EF4-FFF2-40B4-BE49-F238E27FC236}">
+                <a16:creationId xmlns:a16="http://schemas.microsoft.com/office/drawing/2014/main" id="{5F8787F8-6670-4A56-839C-6150AE69C26E}"/>
+              </a:ext>
+            </a:extLst>
+          </p:cNvPr>
+          <p:cNvSpPr txBox="1"/>
+          <p:nvPr/>
+        </p:nvSpPr>
+        <p:spPr>
+          <a:xfrm>
+            <a:off x="7456094" y="539139"/>
+            <a:ext cx="1832296" cy="369332"/>
+          </a:xfrm>
+          <a:prstGeom prst="rect">
+            <a:avLst/>
+          </a:prstGeom>
+          <a:noFill/>
+        </p:spPr>
+        <p:txBody>
+          <a:bodyPr wrap="none" rtlCol="0">
+            <a:spAutoFit/>
+          </a:bodyPr>
+          <a:lstStyle/>
+          <a:p>
+            <a:r>
+              <a:rPr lang="en-US" b="1">
+                <a:solidFill>
+                  <a:schemeClr val="bg1">
+                    <a:lumMod val="65000"/>
+                  </a:schemeClr>
+                </a:solidFill>
+              </a:rPr>
+              <a:t>O</a:t>
+            </a:r>
+            <a:r>
+              <a:rPr lang="en-US" altLang="zh-CN" b="1">
+                <a:solidFill>
+                  <a:schemeClr val="bg1">
+                    <a:lumMod val="65000"/>
+                  </a:schemeClr>
+                </a:solidFill>
+              </a:rPr>
+              <a:t>ptional</a:t>
+            </a:r>
+            <a:r>
+              <a:rPr lang="en-US" b="1">
+                <a:solidFill>
+                  <a:schemeClr val="bg1">
+                    <a:lumMod val="65000"/>
+                  </a:schemeClr>
+                </a:solidFill>
+              </a:rPr>
+              <a:t> Address</a:t>
+            </a:r>
+          </a:p>
+        </p:txBody>
+      </p:sp>
+      <p:sp>
+        <p:nvSpPr>
+          <p:cNvPr id="18" name="文本框 17">
+            <a:extLst>
+              <a:ext uri="{FF2B5EF4-FFF2-40B4-BE49-F238E27FC236}">
+                <a16:creationId xmlns:a16="http://schemas.microsoft.com/office/drawing/2014/main" id="{BDC4BB20-E182-4723-934A-9A50346E0BA3}"/>
+              </a:ext>
+            </a:extLst>
+          </p:cNvPr>
+          <p:cNvSpPr txBox="1"/>
+          <p:nvPr/>
+        </p:nvSpPr>
+        <p:spPr>
+          <a:xfrm>
+            <a:off x="6836615" y="1175869"/>
+            <a:ext cx="641522" cy="369332"/>
+          </a:xfrm>
+          <a:prstGeom prst="rect">
+            <a:avLst/>
+          </a:prstGeom>
+          <a:noFill/>
+        </p:spPr>
+        <p:txBody>
+          <a:bodyPr wrap="none" rtlCol="0">
+            <a:spAutoFit/>
+          </a:bodyPr>
+          <a:lstStyle/>
+          <a:p>
+            <a:r>
+              <a:rPr lang="en-US" b="1">
+                <a:solidFill>
+                  <a:schemeClr val="bg1">
+                    <a:lumMod val="65000"/>
+                  </a:schemeClr>
+                </a:solidFill>
+              </a:rPr>
+              <a:t>0x68</a:t>
+            </a:r>
+          </a:p>
+        </p:txBody>
+      </p:sp>
+      <p:sp>
+        <p:nvSpPr>
+          <p:cNvPr id="19" name="文本框 18">
+            <a:extLst>
+              <a:ext uri="{FF2B5EF4-FFF2-40B4-BE49-F238E27FC236}">
+                <a16:creationId xmlns:a16="http://schemas.microsoft.com/office/drawing/2014/main" id="{4F0C502C-6816-44C9-B30E-419FB55CB81C}"/>
+              </a:ext>
+            </a:extLst>
+          </p:cNvPr>
+          <p:cNvSpPr txBox="1"/>
+          <p:nvPr/>
+        </p:nvSpPr>
+        <p:spPr>
+          <a:xfrm>
+            <a:off x="6836615" y="554758"/>
+            <a:ext cx="641522" cy="369332"/>
+          </a:xfrm>
+          <a:prstGeom prst="rect">
+            <a:avLst/>
+          </a:prstGeom>
+          <a:noFill/>
+        </p:spPr>
+        <p:txBody>
+          <a:bodyPr wrap="none" rtlCol="0">
+            <a:spAutoFit/>
+          </a:bodyPr>
+          <a:lstStyle/>
+          <a:p>
+            <a:r>
+              <a:rPr lang="en-US" b="1">
+                <a:solidFill>
+                  <a:schemeClr val="bg1">
+                    <a:lumMod val="65000"/>
+                  </a:schemeClr>
+                </a:solidFill>
+              </a:rPr>
+              <a:t>0x69</a:t>
+            </a:r>
+          </a:p>
+        </p:txBody>
+      </p:sp>
+      <p:sp>
+        <p:nvSpPr>
+          <p:cNvPr id="9" name="文本框 8">
+            <a:extLst>
+              <a:ext uri="{FF2B5EF4-FFF2-40B4-BE49-F238E27FC236}">
+                <a16:creationId xmlns:a16="http://schemas.microsoft.com/office/drawing/2014/main" id="{DDC5CA2B-6D03-4BC6-AA80-BBC32D9D21E5}"/>
+              </a:ext>
+            </a:extLst>
+          </p:cNvPr>
+          <p:cNvSpPr txBox="1"/>
+          <p:nvPr/>
+        </p:nvSpPr>
+        <p:spPr>
+          <a:xfrm>
+            <a:off x="3517715" y="4837832"/>
+            <a:ext cx="7008522" cy="646331"/>
+          </a:xfrm>
+          <a:prstGeom prst="rect">
+            <a:avLst/>
+          </a:prstGeom>
+          <a:noFill/>
+        </p:spPr>
+        <p:txBody>
+          <a:bodyPr wrap="none" rtlCol="0">
+            <a:spAutoFit/>
+          </a:bodyPr>
+          <a:lstStyle/>
+          <a:p>
+            <a:r>
+              <a:rPr lang="en-US" b="1"/>
+              <a:t>INT P</a:t>
+            </a:r>
+            <a:r>
+              <a:rPr lang="en-US" altLang="zh-CN" b="1"/>
+              <a:t>in </a:t>
+            </a:r>
+          </a:p>
+          <a:p>
+            <a:r>
+              <a:rPr lang="en-US">
+                <a:solidFill>
+                  <a:schemeClr val="bg1">
+                    <a:lumMod val="65000"/>
+                  </a:schemeClr>
+                </a:solidFill>
+              </a:rPr>
+              <a:t>normally has same voltage as VDD, when interrupting, same as GND (0V)</a:t>
+            </a:r>
+          </a:p>
+        </p:txBody>
+      </p:sp>
       <p:cxnSp>
         <p:nvCxnSpPr>
-          <p:cNvPr id="10" name="直接连接符 9">
-            <a:extLst>
-              <a:ext uri="{FF2B5EF4-FFF2-40B4-BE49-F238E27FC236}">
-                <a16:creationId xmlns:a16="http://schemas.microsoft.com/office/drawing/2014/main" id="{E3F3332F-B147-4115-8C13-76D0DA46D4FE}"/>
+          <p:cNvPr id="20" name="直接连接符 19">
+            <a:extLst>
+              <a:ext uri="{FF2B5EF4-FFF2-40B4-BE49-F238E27FC236}">
+                <a16:creationId xmlns:a16="http://schemas.microsoft.com/office/drawing/2014/main" id="{729809E9-61E1-47C4-888B-1B779C362DC1}"/>
               </a:ext>
             </a:extLst>
           </p:cNvPr>
           <p:cNvCxnSpPr>
-            <a:stCxn id="75" idx="4"/>
+            <a:cxnSpLocks/>
           </p:cNvCxnSpPr>
           <p:nvPr/>
         </p:nvCxnSpPr>
         <p:spPr>
           <a:xfrm flipH="1">
-            <a:off x="6205248" y="4112821"/>
-            <a:ext cx="13146" cy="746855"/>
+            <a:off x="3957915" y="3652986"/>
+            <a:ext cx="14597" cy="1147281"/>
           </a:xfrm>
           <a:prstGeom prst="line">
             <a:avLst/>
           </a:prstGeom>
-          <a:ln w="19050">
+          <a:ln w="15875" cap="flat" cmpd="sng" algn="ctr">
             <a:solidFill>
-              <a:schemeClr val="bg1">
-                <a:lumMod val="65000"/>
-              </a:schemeClr>
+              <a:schemeClr val="accent3"/>
             </a:solidFill>
             <a:prstDash val="dash"/>
+            <a:round/>
+            <a:headEnd type="none" w="med" len="med"/>
+            <a:tailEnd type="none" w="med" len="med"/>
+          </a:ln>
+        </p:spPr>
+        <p:style>
+          <a:lnRef idx="0">
+            <a:scrgbClr r="0" g="0" b="0"/>
+          </a:lnRef>
+          <a:fillRef idx="0">
+            <a:scrgbClr r="0" g="0" b="0"/>
+          </a:fillRef>
+          <a:effectRef idx="0">
+            <a:scrgbClr r="0" g="0" b="0"/>
+          </a:effectRef>
+          <a:fontRef idx="minor">
+            <a:schemeClr val="tx1"/>
+          </a:fontRef>
+        </p:style>
+      </p:cxnSp>
+      <p:cxnSp>
+        <p:nvCxnSpPr>
+          <p:cNvPr id="22" name="直接连接符 21">
+            <a:extLst>
+              <a:ext uri="{FF2B5EF4-FFF2-40B4-BE49-F238E27FC236}">
+                <a16:creationId xmlns:a16="http://schemas.microsoft.com/office/drawing/2014/main" id="{02DD1806-B33E-4962-8042-4903F1B2B34F}"/>
+              </a:ext>
+            </a:extLst>
+          </p:cNvPr>
+          <p:cNvCxnSpPr/>
+          <p:nvPr/>
+        </p:nvCxnSpPr>
+        <p:spPr>
+          <a:xfrm>
+            <a:off x="3609975" y="4905375"/>
+            <a:ext cx="312700" cy="0"/>
+          </a:xfrm>
+          <a:prstGeom prst="line">
+            <a:avLst/>
+          </a:prstGeom>
+          <a:ln w="15875">
+            <a:solidFill>
+              <a:schemeClr val="tx1"/>
+            </a:solidFill>
           </a:ln>
         </p:spPr>
         <p:style>
@@ -5983,185 +6155,114 @@
       </p:cxnSp>
       <p:sp>
         <p:nvSpPr>
-          <p:cNvPr id="2" name="文本框 1">
-            <a:extLst>
-              <a:ext uri="{FF2B5EF4-FFF2-40B4-BE49-F238E27FC236}">
-                <a16:creationId xmlns:a16="http://schemas.microsoft.com/office/drawing/2014/main" id="{CE94B77D-4ECD-4ECE-954C-AA36A66943F4}"/>
-              </a:ext>
-            </a:extLst>
-          </p:cNvPr>
-          <p:cNvSpPr txBox="1"/>
+          <p:cNvPr id="56" name="矩形 55">
+            <a:extLst>
+              <a:ext uri="{FF2B5EF4-FFF2-40B4-BE49-F238E27FC236}">
+                <a16:creationId xmlns:a16="http://schemas.microsoft.com/office/drawing/2014/main" id="{067AF944-323F-4A7F-9BFB-E2B86D0C0823}"/>
+              </a:ext>
+            </a:extLst>
+          </p:cNvPr>
+          <p:cNvSpPr/>
           <p:nvPr/>
         </p:nvSpPr>
         <p:spPr>
-          <a:xfrm>
-            <a:off x="7479102" y="1185300"/>
-            <a:ext cx="1648272" cy="369332"/>
+          <a:xfrm rot="5400000">
+            <a:off x="5649618" y="1235845"/>
+            <a:ext cx="388192" cy="249381"/>
           </a:xfrm>
           <a:prstGeom prst="rect">
             <a:avLst/>
           </a:prstGeom>
-          <a:noFill/>
-        </p:spPr>
-        <p:txBody>
-          <a:bodyPr wrap="none" rtlCol="0">
-            <a:spAutoFit/>
-          </a:bodyPr>
-          <a:lstStyle/>
-          <a:p>
-            <a:r>
-              <a:rPr lang="en-US" b="1">
-                <a:solidFill>
-                  <a:schemeClr val="bg1">
-                    <a:lumMod val="65000"/>
-                  </a:schemeClr>
-                </a:solidFill>
-              </a:rPr>
-              <a:t>Defaut Address</a:t>
-            </a:r>
-          </a:p>
-        </p:txBody>
-      </p:sp>
-      <p:sp>
-        <p:nvSpPr>
-          <p:cNvPr id="17" name="文本框 16">
-            <a:extLst>
-              <a:ext uri="{FF2B5EF4-FFF2-40B4-BE49-F238E27FC236}">
-                <a16:creationId xmlns:a16="http://schemas.microsoft.com/office/drawing/2014/main" id="{5F8787F8-6670-4A56-839C-6150AE69C26E}"/>
-              </a:ext>
-            </a:extLst>
-          </p:cNvPr>
-          <p:cNvSpPr txBox="1"/>
+          <a:solidFill>
+            <a:schemeClr val="tx1"/>
+          </a:solidFill>
+          <a:ln>
+            <a:noFill/>
+          </a:ln>
+        </p:spPr>
+        <p:style>
+          <a:lnRef idx="2">
+            <a:schemeClr val="accent3">
+              <a:shade val="50000"/>
+            </a:schemeClr>
+          </a:lnRef>
+          <a:fillRef idx="1">
+            <a:schemeClr val="accent3"/>
+          </a:fillRef>
+          <a:effectRef idx="0">
+            <a:schemeClr val="accent3"/>
+          </a:effectRef>
+          <a:fontRef idx="minor">
+            <a:schemeClr val="lt1"/>
+          </a:fontRef>
+        </p:style>
+        <p:txBody>
+          <a:bodyPr rtlCol="0" anchor="ctr"/>
+          <a:lstStyle/>
+          <a:p>
+            <a:pPr algn="ctr"/>
+            <a:endParaRPr lang="en-US">
+              <a:solidFill>
+                <a:schemeClr val="tx1"/>
+              </a:solidFill>
+              <a:cs typeface="+mn-ea"/>
+              <a:sym typeface="+mn-lt"/>
+            </a:endParaRPr>
+          </a:p>
+        </p:txBody>
+      </p:sp>
+      <p:sp>
+        <p:nvSpPr>
+          <p:cNvPr id="73" name="矩形 72">
+            <a:extLst>
+              <a:ext uri="{FF2B5EF4-FFF2-40B4-BE49-F238E27FC236}">
+                <a16:creationId xmlns:a16="http://schemas.microsoft.com/office/drawing/2014/main" id="{0EA2FF81-1131-4E2D-BEB3-4F1A8CCC035C}"/>
+              </a:ext>
+            </a:extLst>
+          </p:cNvPr>
+          <p:cNvSpPr/>
           <p:nvPr/>
         </p:nvSpPr>
         <p:spPr>
-          <a:xfrm>
-            <a:off x="7478954" y="539139"/>
-            <a:ext cx="1832296" cy="369332"/>
+          <a:xfrm rot="16200000">
+            <a:off x="6361757" y="718718"/>
+            <a:ext cx="388192" cy="249381"/>
           </a:xfrm>
           <a:prstGeom prst="rect">
             <a:avLst/>
           </a:prstGeom>
-          <a:noFill/>
-        </p:spPr>
-        <p:txBody>
-          <a:bodyPr wrap="none" rtlCol="0">
-            <a:spAutoFit/>
-          </a:bodyPr>
-          <a:lstStyle/>
-          <a:p>
-            <a:r>
-              <a:rPr lang="en-US" b="1">
-                <a:solidFill>
-                  <a:schemeClr val="bg1">
-                    <a:lumMod val="65000"/>
-                  </a:schemeClr>
-                </a:solidFill>
-              </a:rPr>
-              <a:t>O</a:t>
-            </a:r>
-            <a:r>
-              <a:rPr lang="en-US" altLang="zh-CN" b="1">
-                <a:solidFill>
-                  <a:schemeClr val="bg1">
-                    <a:lumMod val="65000"/>
-                  </a:schemeClr>
-                </a:solidFill>
-              </a:rPr>
-              <a:t>ptional</a:t>
-            </a:r>
-            <a:r>
-              <a:rPr lang="en-US" b="1">
-                <a:solidFill>
-                  <a:schemeClr val="bg1">
-                    <a:lumMod val="65000"/>
-                  </a:schemeClr>
-                </a:solidFill>
-              </a:rPr>
-              <a:t> Address</a:t>
-            </a:r>
-          </a:p>
-        </p:txBody>
-      </p:sp>
-      <p:sp>
-        <p:nvSpPr>
-          <p:cNvPr id="18" name="文本框 17">
-            <a:extLst>
-              <a:ext uri="{FF2B5EF4-FFF2-40B4-BE49-F238E27FC236}">
-                <a16:creationId xmlns:a16="http://schemas.microsoft.com/office/drawing/2014/main" id="{BDC4BB20-E182-4723-934A-9A50346E0BA3}"/>
-              </a:ext>
-            </a:extLst>
-          </p:cNvPr>
-          <p:cNvSpPr txBox="1"/>
-          <p:nvPr/>
-        </p:nvSpPr>
-        <p:spPr>
-          <a:xfrm>
-            <a:off x="6859475" y="1175869"/>
-            <a:ext cx="641522" cy="369332"/>
-          </a:xfrm>
-          <a:prstGeom prst="rect">
-            <a:avLst/>
-          </a:prstGeom>
-          <a:noFill/>
-        </p:spPr>
-        <p:txBody>
-          <a:bodyPr wrap="none" rtlCol="0">
-            <a:spAutoFit/>
-          </a:bodyPr>
-          <a:lstStyle/>
-          <a:p>
-            <a:r>
-              <a:rPr lang="en-US" b="1">
-                <a:solidFill>
-                  <a:schemeClr val="bg1">
-                    <a:lumMod val="65000"/>
-                  </a:schemeClr>
-                </a:solidFill>
-              </a:rPr>
-              <a:t>0x68</a:t>
-            </a:r>
-          </a:p>
-        </p:txBody>
-      </p:sp>
-      <p:sp>
-        <p:nvSpPr>
-          <p:cNvPr id="19" name="文本框 18">
-            <a:extLst>
-              <a:ext uri="{FF2B5EF4-FFF2-40B4-BE49-F238E27FC236}">
-                <a16:creationId xmlns:a16="http://schemas.microsoft.com/office/drawing/2014/main" id="{4F0C502C-6816-44C9-B30E-419FB55CB81C}"/>
-              </a:ext>
-            </a:extLst>
-          </p:cNvPr>
-          <p:cNvSpPr txBox="1"/>
-          <p:nvPr/>
-        </p:nvSpPr>
-        <p:spPr>
-          <a:xfrm>
-            <a:off x="6859475" y="554758"/>
-            <a:ext cx="641522" cy="369332"/>
-          </a:xfrm>
-          <a:prstGeom prst="rect">
-            <a:avLst/>
-          </a:prstGeom>
-          <a:noFill/>
-        </p:spPr>
-        <p:txBody>
-          <a:bodyPr wrap="none" rtlCol="0">
-            <a:spAutoFit/>
-          </a:bodyPr>
-          <a:lstStyle/>
-          <a:p>
-            <a:r>
-              <a:rPr lang="en-US" b="1">
-                <a:solidFill>
-                  <a:schemeClr val="bg1">
-                    <a:lumMod val="65000"/>
-                  </a:schemeClr>
-                </a:solidFill>
-              </a:rPr>
-              <a:t>0x69</a:t>
-            </a:r>
+          <a:solidFill>
+            <a:srgbClr val="C00000"/>
+          </a:solidFill>
+          <a:ln>
+            <a:noFill/>
+          </a:ln>
+        </p:spPr>
+        <p:style>
+          <a:lnRef idx="2">
+            <a:schemeClr val="accent3">
+              <a:shade val="50000"/>
+            </a:schemeClr>
+          </a:lnRef>
+          <a:fillRef idx="1">
+            <a:schemeClr val="accent3"/>
+          </a:fillRef>
+          <a:effectRef idx="0">
+            <a:schemeClr val="accent3"/>
+          </a:effectRef>
+          <a:fontRef idx="minor">
+            <a:schemeClr val="lt1"/>
+          </a:fontRef>
+        </p:style>
+        <p:txBody>
+          <a:bodyPr rtlCol="0" anchor="ctr"/>
+          <a:lstStyle/>
+          <a:p>
+            <a:pPr algn="ctr"/>
+            <a:endParaRPr lang="en-US">
+              <a:cs typeface="+mn-ea"/>
+              <a:sym typeface="+mn-lt"/>
+            </a:endParaRPr>
           </a:p>
         </p:txBody>
       </p:sp>
